--- a/thesis_paper/poster02.pptx
+++ b/thesis_paper/poster02.pptx
@@ -722,7 +722,7 @@
                 <c:formatCode>General</c:formatCode>
                 <c:ptCount val="4"/>
                 <c:pt idx="0">
-                  <c:v>2</c:v>
+                  <c:v>500</c:v>
                 </c:pt>
                 <c:pt idx="1">
                   <c:v>500</c:v>
@@ -2452,7 +2452,7 @@
           <a:p>
             <a:fld id="{985D6BDF-9D0E-4E2B-85B8-D8F4790360C9}" type="datetimeFigureOut">
               <a:rPr lang="en-US" smtClean="0"/>
-              <a:t>6/19/2019</a:t>
+              <a:t>6/20/2019</a:t>
             </a:fld>
             <a:endParaRPr lang="en-US" dirty="0"/>
           </a:p>
@@ -2672,7 +2672,7 @@
           <a:p>
             <a:fld id="{985D6BDF-9D0E-4E2B-85B8-D8F4790360C9}" type="datetimeFigureOut">
               <a:rPr lang="en-US" smtClean="0"/>
-              <a:t>6/19/2019</a:t>
+              <a:t>6/20/2019</a:t>
             </a:fld>
             <a:endParaRPr lang="en-US" dirty="0"/>
           </a:p>
@@ -3134,7 +3134,6 @@
               <a:rPr lang="en-US" sz="5321" b="1" dirty="0"/>
               <a:t>Contact</a:t>
             </a:r>
-            <a:endParaRPr lang="en-US" sz="5321" b="1" dirty="0"/>
           </a:p>
         </p:txBody>
       </p:sp>
@@ -3178,7 +3177,6 @@
               <a:rPr lang="en-US" sz="1596" dirty="0"/>
               <a:t> </a:t>
             </a:r>
-            <a:endParaRPr lang="en-US" sz="1596" dirty="0"/>
           </a:p>
           <a:p>
             <a:pPr marL="405491" indent="-405491">
@@ -3189,7 +3187,6 @@
               <a:rPr lang="en-US" sz="1596" dirty="0"/>
               <a:t> </a:t>
             </a:r>
-            <a:endParaRPr lang="en-US" sz="1596" dirty="0"/>
           </a:p>
           <a:p>
             <a:pPr marL="405491" indent="-405491">
@@ -3200,7 +3197,6 @@
               <a:rPr lang="en-US" sz="1596" dirty="0"/>
               <a:t> </a:t>
             </a:r>
-            <a:endParaRPr lang="en-US" sz="1596" dirty="0"/>
           </a:p>
           <a:p>
             <a:pPr marL="405491" indent="-405491">
@@ -3211,7 +3207,6 @@
               <a:rPr lang="en-US" sz="1596" dirty="0"/>
               <a:t> </a:t>
             </a:r>
-            <a:endParaRPr lang="en-US" sz="1596" dirty="0"/>
           </a:p>
           <a:p>
             <a:pPr marL="405491" indent="-405491">
@@ -3222,7 +3217,6 @@
               <a:rPr lang="en-US" sz="1596" dirty="0"/>
               <a:t> </a:t>
             </a:r>
-            <a:endParaRPr lang="en-US" sz="1596" dirty="0"/>
           </a:p>
           <a:p>
             <a:pPr marL="405491" indent="-405491">
@@ -3233,7 +3227,6 @@
               <a:rPr lang="en-US" sz="1596" dirty="0"/>
               <a:t> </a:t>
             </a:r>
-            <a:endParaRPr lang="en-US" sz="1596" dirty="0"/>
           </a:p>
           <a:p>
             <a:pPr marL="405491" indent="-405491">
@@ -3244,7 +3237,6 @@
               <a:rPr lang="en-US" sz="1596" dirty="0"/>
               <a:t> </a:t>
             </a:r>
-            <a:endParaRPr lang="en-US" sz="1596" dirty="0"/>
           </a:p>
           <a:p>
             <a:pPr marL="405491" indent="-405491">
@@ -3255,7 +3247,6 @@
               <a:rPr lang="en-US" sz="1596" dirty="0"/>
               <a:t> </a:t>
             </a:r>
-            <a:endParaRPr lang="en-US" sz="1596" dirty="0"/>
           </a:p>
           <a:p>
             <a:pPr marL="405491" indent="-405491">
@@ -3302,7 +3293,6 @@
               <a:rPr lang="en-US" sz="5321" b="1" dirty="0"/>
               <a:t>References</a:t>
             </a:r>
-            <a:endParaRPr lang="en-US" sz="5321" b="1" dirty="0"/>
           </a:p>
         </p:txBody>
       </p:sp>
@@ -3460,17 +3450,26 @@
               <a:t>Our Bi-directional Recurrent neural network (Bi-RNN) end-to-end system, is augmented by features derived from a deep scattering network as opposed to the standard Mel </a:t>
             </a:r>
             <a:r>
-              <a:rPr lang="en-GB" sz="2838" dirty="0" err="1">
-                <a:latin typeface="Calibri" pitchFamily="34" charset="0"/>
-              </a:rPr>
-              <a:t>Cepstral</a:t>
+              <a:rPr lang="en-GB" sz="2838" dirty="0" smtClean="0">
+                <a:latin typeface="Calibri" pitchFamily="34" charset="0"/>
+              </a:rPr>
+              <a:t>Frequency Cepstral Coefficients(MFCC</a:t>
             </a:r>
             <a:r>
               <a:rPr lang="en-GB" sz="2838" dirty="0">
                 <a:latin typeface="Calibri" pitchFamily="34" charset="0"/>
               </a:rPr>
-              <a:t> (MFCC) features used in state of the art acoustic models.  These specialised deep scattering features, consumed by the Bi-RNN, model a light-weight convolution network. This work shows that it is possible to build a speech model from a combination of deep scattering features and a Bi-RNN. There has been no record of deep scattering features being used in end-to-end bi-RNN speech models as far as we are aware.</a:t>
-            </a:r>
+              <a:t>) features used in state of the art acoustic models.  These specialised deep scattering features, consumed by the Bi-RNN, model a light-weight convolution network. This work shows that it is possible to build a speech model from a combination of deep scattering features and a Bi-RNN. There has been no record of deep scattering features being used in end-to-end bi-RNN speech models as far as we are </a:t>
+            </a:r>
+            <a:r>
+              <a:rPr lang="en-GB" sz="2838" dirty="0" smtClean="0">
+                <a:latin typeface="Calibri" pitchFamily="34" charset="0"/>
+              </a:rPr>
+              <a:t>aware.</a:t>
+            </a:r>
+            <a:endParaRPr lang="en-GB" sz="2838" dirty="0">
+              <a:latin typeface="Calibri" pitchFamily="34" charset="0"/>
+            </a:endParaRPr>
           </a:p>
         </p:txBody>
       </p:sp>
@@ -3529,14 +3528,6 @@
               </a:rPr>
               <a:t>Abstract</a:t>
             </a:r>
-            <a:endParaRPr lang="en-US" sz="5321" b="1" dirty="0">
-              <a:solidFill>
-                <a:schemeClr val="accent3">
-                  <a:lumMod val="20000"/>
-                  <a:lumOff val="80000"/>
-                </a:schemeClr>
-              </a:solidFill>
-            </a:endParaRPr>
           </a:p>
         </p:txBody>
       </p:sp>
@@ -3551,7 +3542,7 @@
         <p:spPr bwMode="auto">
           <a:xfrm>
             <a:off x="15003352" y="6565750"/>
-            <a:ext cx="12570376" cy="3384619"/>
+            <a:ext cx="12570376" cy="6004952"/>
           </a:xfrm>
           <a:prstGeom prst="rect">
             <a:avLst/>
@@ -3673,22 +3664,43 @@
           <a:p>
             <a:pPr eaLnBrk="1" hangingPunct="1"/>
             <a:r>
+              <a:rPr lang="en-GB" sz="2838" dirty="0">
+                <a:latin typeface="Calibri" pitchFamily="34" charset="0"/>
+              </a:rPr>
+              <a:t>A total of four experiments were carried out on two different GPU configurations. A set of experiments was performed a GPU configuration consisting of 2 GPUs having a total of 10 gigabytes of memory. The second set of experiments was carried out on a GPU configuration comprising 5 GPUs having a total of 15 gigabytes of memory.  For each configuration two experiments were carried out on a small subset of the dataset then on a larger subset of the common voice dataset being used.   The various GPU configurations along with the training times is shown in Table </a:t>
+            </a:r>
+            <a:r>
               <a:rPr lang="en-GB" sz="2838" dirty="0" smtClean="0">
                 <a:latin typeface="Calibri" pitchFamily="34" charset="0"/>
               </a:rPr>
-              <a:t>A </a:t>
-            </a:r>
-            <a:r>
-              <a:rPr lang="en-GB" sz="2838" dirty="0">
-                <a:latin typeface="Calibri" pitchFamily="34" charset="0"/>
-              </a:rPr>
-              <a:t>total of four experiments were carried out on two different GPU configurations. </a:t>
-            </a:r>
-            <a:r>
-              <a:rPr lang="en-GB" sz="2838" dirty="0">
-                <a:latin typeface="Calibri" pitchFamily="34" charset="0"/>
-              </a:rPr>
-              <a:t>The set of experiments was on a Two-GPU configuration having a total of 10 gigabytes of memory. While the second set of experiments was carried out on a 5-GPU set configuration having a total of 15 gigabytes of memory.  For each configuration two experiments were carried out on a small subset of the dataset then on a larger subset of the common voice dataset being used.   The various GPU configurations along with the training times is shown in Table 1</a:t>
+              <a:t>1.</a:t>
+            </a:r>
+          </a:p>
+          <a:p>
+            <a:pPr eaLnBrk="1" hangingPunct="1"/>
+            <a:endParaRPr lang="en-US" sz="2838" dirty="0">
+              <a:latin typeface="Calibri" pitchFamily="34" charset="0"/>
+            </a:endParaRPr>
+          </a:p>
+          <a:p>
+            <a:pPr eaLnBrk="1" hangingPunct="1"/>
+            <a:r>
+              <a:rPr lang="en-US" sz="2838" dirty="0">
+                <a:latin typeface="Calibri" pitchFamily="34" charset="0"/>
+              </a:rPr>
+              <a:t>The output of the training produced mostly gibberish when trained in both configurations using only just one hour of training data.  Training loss reduced significantly once the data was increased to ten hours of training.  However word error rates (WER) only showed improvement on the 40 hours </a:t>
+            </a:r>
+            <a:r>
+              <a:rPr lang="en-US" sz="2838">
+                <a:latin typeface="Calibri" pitchFamily="34" charset="0"/>
+              </a:rPr>
+              <a:t>dataset</a:t>
+            </a:r>
+            <a:r>
+              <a:rPr lang="en-US" sz="2838" smtClean="0">
+                <a:latin typeface="Calibri" pitchFamily="34" charset="0"/>
+              </a:rPr>
+              <a:t>.</a:t>
             </a:r>
             <a:endParaRPr lang="en-US" sz="2838" dirty="0">
               <a:latin typeface="Calibri" pitchFamily="34" charset="0"/>
@@ -3751,14 +3763,6 @@
               </a:rPr>
               <a:t>Introduction</a:t>
             </a:r>
-            <a:endParaRPr lang="en-US" sz="5321" b="1" dirty="0">
-              <a:solidFill>
-                <a:schemeClr val="accent3">
-                  <a:lumMod val="20000"/>
-                  <a:lumOff val="80000"/>
-                </a:schemeClr>
-              </a:solidFill>
-            </a:endParaRPr>
           </a:p>
         </p:txBody>
       </p:sp>
@@ -3773,7 +3777,7 @@
         <p:spPr bwMode="auto">
           <a:xfrm>
             <a:off x="1621984" y="20960858"/>
-            <a:ext cx="12570376" cy="15612839"/>
+            <a:ext cx="12570376" cy="16049560"/>
           </a:xfrm>
           <a:prstGeom prst="rect">
             <a:avLst/>
@@ -4062,13 +4066,7 @@
               <a:rPr lang="en-GB" sz="2838" dirty="0">
                 <a:latin typeface="+mn-lt"/>
               </a:rPr>
-              <a:t>After each full pass through the training set we divide the learning rate by 1.2 to ensure the overall learning rate decreases over time. </a:t>
-            </a:r>
-            <a:r>
-              <a:rPr lang="en-GB" sz="2838" dirty="0">
-                <a:latin typeface="+mn-lt"/>
-              </a:rPr>
-              <a:t>We train the network for a total of </a:t>
+              <a:t>After each full pass through the training set we divide the learning rate by 1.2 to ensure the overall learning rate decreases over time. We train the network for a total of </a:t>
             </a:r>
             <a:r>
               <a:rPr lang="en-GB" sz="2838" dirty="0" smtClean="0">
@@ -4127,19 +4125,73 @@
               <a:rPr lang="en-GB" sz="2838" dirty="0">
                 <a:latin typeface="Calibri" pitchFamily="34" charset="0"/>
               </a:rPr>
-              <a:t>wavelet transformed is derived </a:t>
+              <a:t>wavelet </a:t>
             </a:r>
             <a:r>
               <a:rPr lang="en-GB" sz="2838" dirty="0" smtClean="0">
                 <a:latin typeface="Calibri" pitchFamily="34" charset="0"/>
               </a:rPr>
-              <a:t>from </a:t>
+              <a:t>transform </a:t>
             </a:r>
             <a:r>
               <a:rPr lang="en-GB" sz="2838" dirty="0">
                 <a:latin typeface="Calibri" pitchFamily="34" charset="0"/>
               </a:rPr>
-              <a:t>a low pass filter and a high pass filter.  The speech features used in this research using a deep scattering network 2 layers deep was created using the wavelet modulus operator comprising a low pass filter and a band pass filter.   Hyper parameters of the system included the window period for each sampled sub section, T;  The Q-band value for the band pass filter and the number of </a:t>
+              <a:t>is derived </a:t>
+            </a:r>
+            <a:r>
+              <a:rPr lang="en-GB" sz="2838" dirty="0" smtClean="0">
+                <a:latin typeface="Calibri" pitchFamily="34" charset="0"/>
+              </a:rPr>
+              <a:t>from operations of a </a:t>
+            </a:r>
+            <a:r>
+              <a:rPr lang="en-GB" sz="2838" dirty="0">
+                <a:latin typeface="Calibri" pitchFamily="34" charset="0"/>
+              </a:rPr>
+              <a:t>low pass filter and a high pass filter.  The speech features used in this research using a deep scattering network 2 layers deep was created using the wavelet modulus operator comprising a </a:t>
+            </a:r>
+            <a:r>
+              <a:rPr lang="en-GB" sz="2838" dirty="0" smtClean="0">
+                <a:latin typeface="Calibri" pitchFamily="34" charset="0"/>
+              </a:rPr>
+              <a:t>wavelet low </a:t>
+            </a:r>
+            <a:r>
+              <a:rPr lang="en-GB" sz="2838" dirty="0">
+                <a:latin typeface="Calibri" pitchFamily="34" charset="0"/>
+              </a:rPr>
+              <a:t>pass filter and a band pass filter.   Hyper parameters of the </a:t>
+            </a:r>
+            <a:r>
+              <a:rPr lang="en-GB" sz="2838" dirty="0" smtClean="0">
+                <a:latin typeface="Calibri" pitchFamily="34" charset="0"/>
+              </a:rPr>
+              <a:t>deep  scattering operation includes </a:t>
+            </a:r>
+            <a:r>
+              <a:rPr lang="en-GB" sz="2838" dirty="0">
+                <a:latin typeface="Calibri" pitchFamily="34" charset="0"/>
+              </a:rPr>
+              <a:t>the window period for each sampled sub section, T</a:t>
+            </a:r>
+            <a:r>
+              <a:rPr lang="en-GB" sz="2838">
+                <a:latin typeface="Calibri" pitchFamily="34" charset="0"/>
+              </a:rPr>
+              <a:t>;  t</a:t>
+            </a:r>
+            <a:r>
+              <a:rPr lang="en-GB" sz="2838" smtClean="0">
+                <a:latin typeface="Calibri" pitchFamily="34" charset="0"/>
+              </a:rPr>
+              <a:t>he </a:t>
+            </a:r>
+            <a:r>
+              <a:rPr lang="en-GB" sz="2838" dirty="0">
+                <a:latin typeface="Calibri" pitchFamily="34" charset="0"/>
+              </a:rPr>
+              <a:t>Q-band value for the band pass filter and the number of </a:t>
             </a:r>
             <a:r>
               <a:rPr lang="en-GB" sz="2838" dirty="0" smtClean="0">
@@ -4283,14 +4335,6 @@
               </a:rPr>
               <a:t>Data Set and CTCC Model</a:t>
             </a:r>
-            <a:endParaRPr lang="en-US" sz="5321" b="1" dirty="0">
-              <a:solidFill>
-                <a:schemeClr val="accent3">
-                  <a:lumMod val="20000"/>
-                  <a:lumOff val="80000"/>
-                </a:schemeClr>
-              </a:solidFill>
-            </a:endParaRPr>
           </a:p>
         </p:txBody>
       </p:sp>
@@ -4304,8 +4348,8 @@
         </p:nvSpPr>
         <p:spPr bwMode="auto">
           <a:xfrm>
-            <a:off x="15003352" y="26839284"/>
-            <a:ext cx="12570376" cy="6878396"/>
+            <a:off x="15003352" y="28975296"/>
+            <a:ext cx="12570376" cy="4694785"/>
           </a:xfrm>
           <a:prstGeom prst="rect">
             <a:avLst/>
@@ -4430,22 +4474,13 @@
               <a:rPr lang="en-US" sz="2838" dirty="0" smtClean="0">
                 <a:latin typeface="Calibri" pitchFamily="34" charset="0"/>
               </a:rPr>
-              <a:t>The output of the training produced mostly gibberish when trained in both configurations using only just one hour of training data.  Training loss reduced significantly once the data was increased to ten hours of training.  However word error rates (WER) only showed improvement on the 40 hours dataset.</a:t>
-            </a:r>
-          </a:p>
-          <a:p>
-            <a:pPr eaLnBrk="1" hangingPunct="1"/>
-            <a:endParaRPr lang="en-US" sz="2838" dirty="0">
-              <a:latin typeface="Calibri" pitchFamily="34" charset="0"/>
-            </a:endParaRPr>
-          </a:p>
-          <a:p>
-            <a:pPr eaLnBrk="1" hangingPunct="1"/>
+              <a:t>The </a:t>
+            </a:r>
             <a:r>
               <a:rPr lang="en-US" sz="2838" dirty="0" smtClean="0">
                 <a:latin typeface="Calibri" pitchFamily="34" charset="0"/>
               </a:rPr>
-              <a:t>The results showed that the training of the model was heading towards a very slow convergence as indicated by the slow decrements in training loss.  However, we perceive that given the complete dataset to train the model will not only converge but show improvements in word error rates.</a:t>
+              <a:t>results showed that the training of the model was heading towards a very slow convergence as indicated by the slow decrements in training loss.  However, we perceive that given the complete dataset to train the model will not only converge but show improvements in word error rates.</a:t>
             </a:r>
           </a:p>
           <a:p>
@@ -4473,7 +4508,7 @@
         </p:nvSpPr>
         <p:spPr>
           <a:xfrm>
-            <a:off x="15003352" y="26028292"/>
+            <a:off x="15003352" y="28164304"/>
             <a:ext cx="12570376" cy="810992"/>
           </a:xfrm>
           <a:prstGeom prst="rect">
@@ -4732,14 +4767,6 @@
               </a:rPr>
               <a:t>Conclusions</a:t>
             </a:r>
-            <a:endParaRPr lang="en-US" sz="5321" b="1" dirty="0">
-              <a:solidFill>
-                <a:schemeClr val="accent3">
-                  <a:lumMod val="20000"/>
-                  <a:lumOff val="80000"/>
-                </a:schemeClr>
-              </a:solidFill>
-            </a:endParaRPr>
           </a:p>
         </p:txBody>
       </p:sp>
@@ -4752,13 +4779,13 @@
           <p:nvPr>
             <p:extLst>
               <p:ext uri="{D42A27DB-BD31-4B8C-83A1-F6EECF244321}">
-                <p14:modId xmlns:p14="http://schemas.microsoft.com/office/powerpoint/2010/main" val="3528070328"/>
+                <p14:modId xmlns:p14="http://schemas.microsoft.com/office/powerpoint/2010/main" val="3986664700"/>
               </p:ext>
             </p:extLst>
           </p:nvPr>
         </p:nvGraphicFramePr>
         <p:xfrm>
-          <a:off x="14981480" y="11378314"/>
+          <a:off x="14981480" y="13514326"/>
           <a:ext cx="12570376" cy="3504320"/>
         </p:xfrm>
         <a:graphic>
@@ -4994,7 +5021,6 @@
                         <a:rPr lang="en-US" sz="2800" dirty="0" smtClean="0"/>
                         <a:t>10</a:t>
                       </a:r>
-                      <a:endParaRPr lang="en-US" sz="2800" dirty="0" smtClean="0"/>
                     </a:p>
                   </a:txBody>
                   <a:tcPr marL="81099" marR="81099" marT="40550" marB="40550" anchor="ctr"/>
@@ -5395,14 +5421,6 @@
               </a:rPr>
               <a:t>Results</a:t>
             </a:r>
-            <a:endParaRPr lang="en-US" sz="5321" b="1" dirty="0">
-              <a:solidFill>
-                <a:schemeClr val="accent3">
-                  <a:lumMod val="20000"/>
-                  <a:lumOff val="80000"/>
-                </a:schemeClr>
-              </a:solidFill>
-            </a:endParaRPr>
           </a:p>
         </p:txBody>
       </p:sp>
@@ -5416,8 +5434,8 @@
         </p:nvSpPr>
         <p:spPr bwMode="auto">
           <a:xfrm>
-            <a:off x="14918870" y="10818474"/>
-            <a:ext cx="4506939" cy="419987"/>
+            <a:off x="15075099" y="12954486"/>
+            <a:ext cx="4194482" cy="419987"/>
           </a:xfrm>
           <a:prstGeom prst="rect">
             <a:avLst/>
@@ -5564,13 +5582,7 @@
               <a:rPr lang="en-US" sz="2129" b="1" dirty="0">
                 <a:latin typeface="Calibri" pitchFamily="34" charset="0"/>
               </a:rPr>
-              <a:t>Table </a:t>
-            </a:r>
-            <a:r>
-              <a:rPr lang="en-US" sz="2129" b="1" dirty="0">
-                <a:latin typeface="Calibri" pitchFamily="34" charset="0"/>
-              </a:rPr>
-              <a:t>1.</a:t>
+              <a:t>Table 1.</a:t>
             </a:r>
             <a:r>
               <a:rPr lang="en-US" sz="2129" dirty="0">
@@ -5582,7 +5594,13 @@
               <a:rPr lang="en-US" sz="2129" dirty="0" smtClean="0">
                 <a:latin typeface="Calibri" pitchFamily="34" charset="0"/>
               </a:rPr>
-              <a:t>CTCC Model Training Duration.</a:t>
+              <a:t>CTCC Model Training </a:t>
+            </a:r>
+            <a:r>
+              <a:rPr lang="en-US" sz="2129" dirty="0" smtClean="0">
+                <a:latin typeface="Calibri" pitchFamily="34" charset="0"/>
+              </a:rPr>
+              <a:t>Times.</a:t>
             </a:r>
             <a:endParaRPr lang="en-US" sz="2129" dirty="0">
               <a:latin typeface="Calibri" pitchFamily="34" charset="0"/>
@@ -5597,13 +5615,13 @@
           <p:nvPr>
             <p:extLst>
               <p:ext uri="{D42A27DB-BD31-4B8C-83A1-F6EECF244321}">
-                <p14:modId xmlns:p14="http://schemas.microsoft.com/office/powerpoint/2010/main" val="3979088324"/>
+                <p14:modId xmlns:p14="http://schemas.microsoft.com/office/powerpoint/2010/main" val="478748470"/>
               </p:ext>
             </p:extLst>
           </p:nvPr>
         </p:nvGraphicFramePr>
         <p:xfrm>
-          <a:off x="15003353" y="21029511"/>
+          <a:off x="15003353" y="23165523"/>
           <a:ext cx="12570375" cy="4341856"/>
         </p:xfrm>
         <a:graphic>
@@ -5622,7 +5640,7 @@
         </p:nvSpPr>
         <p:spPr bwMode="auto">
           <a:xfrm>
-            <a:off x="15025237" y="25326741"/>
+            <a:off x="15025237" y="27462753"/>
             <a:ext cx="10125721" cy="419987"/>
           </a:xfrm>
           <a:prstGeom prst="rect">
@@ -5790,9 +5808,6 @@
               </a:rPr>
               <a:t>where w &lt; x &lt; y &lt; z are taking arbitrarily across the total number of epochs</a:t>
             </a:r>
-            <a:endParaRPr lang="en-US" sz="2129" dirty="0">
-              <a:latin typeface="Calibri" pitchFamily="34" charset="0"/>
-            </a:endParaRPr>
           </a:p>
         </p:txBody>
       </p:sp>
@@ -5803,13 +5818,13 @@
           <p:nvPr>
             <p:extLst>
               <p:ext uri="{D42A27DB-BD31-4B8C-83A1-F6EECF244321}">
-                <p14:modId xmlns:p14="http://schemas.microsoft.com/office/powerpoint/2010/main" val="1969341752"/>
+                <p14:modId xmlns:p14="http://schemas.microsoft.com/office/powerpoint/2010/main" val="562020193"/>
               </p:ext>
             </p:extLst>
           </p:nvPr>
         </p:nvGraphicFramePr>
         <p:xfrm>
-          <a:off x="14940528" y="15569277"/>
+          <a:off x="14940528" y="17705289"/>
           <a:ext cx="12570375" cy="4341856"/>
         </p:xfrm>
         <a:graphic>
@@ -5828,7 +5843,7 @@
         </p:nvSpPr>
         <p:spPr bwMode="auto">
           <a:xfrm>
-            <a:off x="14940528" y="19952599"/>
+            <a:off x="14940528" y="22088611"/>
             <a:ext cx="11013721" cy="419987"/>
           </a:xfrm>
           <a:prstGeom prst="rect">
@@ -6394,19 +6409,7 @@
                     </a:solidFill>
                     <a:latin typeface="+mn-lt"/>
                   </a:rPr>
-                  <a:t>; </a:t>
-                </a:r>
-                <a:r>
-                  <a:rPr lang="en-US" sz="4257" dirty="0">
-                    <a:solidFill>
-                      <a:schemeClr val="accent3">
-                        <a:lumMod val="20000"/>
-                        <a:lumOff val="80000"/>
-                      </a:schemeClr>
-                    </a:solidFill>
-                    <a:latin typeface="+mn-lt"/>
-                  </a:rPr>
-                  <a:t>David Wilson, PhD</a:t>
+                  <a:t>; David Wilson, PhD</a:t>
                 </a:r>
                 <a:r>
                   <a:rPr lang="en-US" sz="4257" baseline="30000" dirty="0">
@@ -6444,15 +6447,6 @@
                   </a:rPr>
                   <a:t>1</a:t>
                 </a:r>
-                <a:endParaRPr lang="en-US" sz="4257" baseline="30000" dirty="0">
-                  <a:solidFill>
-                    <a:schemeClr val="accent3">
-                      <a:lumMod val="20000"/>
-                      <a:lumOff val="80000"/>
-                    </a:schemeClr>
-                  </a:solidFill>
-                  <a:latin typeface="+mn-lt"/>
-                </a:endParaRPr>
               </a:p>
               <a:p>
                 <a:pPr algn="ctr" eaLnBrk="1" hangingPunct="1"/>
@@ -6478,29 +6472,8 @@
                     </a:solidFill>
                     <a:latin typeface="+mn-lt"/>
                   </a:rPr>
-                  <a:t>University of </a:t>
+                  <a:t>University of Huddersfield, England, United Kingdom</a:t>
                 </a:r>
-                <a:r>
-                  <a:rPr lang="en-US" sz="4257" dirty="0">
-                    <a:solidFill>
-                      <a:schemeClr val="accent3">
-                        <a:lumMod val="20000"/>
-                        <a:lumOff val="80000"/>
-                      </a:schemeClr>
-                    </a:solidFill>
-                    <a:latin typeface="+mn-lt"/>
-                  </a:rPr>
-                  <a:t>Huddersfield, England, United Kingdom</a:t>
-                </a:r>
-                <a:endParaRPr lang="en-US" sz="4257" dirty="0">
-                  <a:solidFill>
-                    <a:schemeClr val="accent3">
-                      <a:lumMod val="20000"/>
-                      <a:lumOff val="80000"/>
-                    </a:schemeClr>
-                  </a:solidFill>
-                  <a:latin typeface="+mn-lt"/>
-                </a:endParaRPr>
               </a:p>
             </p:txBody>
           </p:sp>
